--- a/Theory Class-Notes/C Programming Syllabus.pptx
+++ b/Theory Class-Notes/C Programming Syllabus.pptx
@@ -5,17 +5,20 @@
     <p:sldMasterId id="2147483710" r:id="rId1"/>
   </p:sldMasterIdLst>
   <p:notesMasterIdLst>
-    <p:notesMasterId r:id="rId10"/>
+    <p:notesMasterId r:id="rId13"/>
   </p:notesMasterIdLst>
   <p:sldIdLst>
     <p:sldId id="257" r:id="rId2"/>
-    <p:sldId id="258" r:id="rId3"/>
-    <p:sldId id="419" r:id="rId4"/>
-    <p:sldId id="420" r:id="rId5"/>
-    <p:sldId id="421" r:id="rId6"/>
-    <p:sldId id="422" r:id="rId7"/>
-    <p:sldId id="423" r:id="rId8"/>
-    <p:sldId id="424" r:id="rId9"/>
+    <p:sldId id="425" r:id="rId3"/>
+    <p:sldId id="272" r:id="rId4"/>
+    <p:sldId id="280" r:id="rId5"/>
+    <p:sldId id="258" r:id="rId6"/>
+    <p:sldId id="419" r:id="rId7"/>
+    <p:sldId id="420" r:id="rId8"/>
+    <p:sldId id="421" r:id="rId9"/>
+    <p:sldId id="422" r:id="rId10"/>
+    <p:sldId id="423" r:id="rId11"/>
+    <p:sldId id="424" r:id="rId12"/>
   </p:sldIdLst>
   <p:sldSz cx="12192000" cy="6858000"/>
   <p:notesSz cx="6858000" cy="9144000"/>
@@ -204,7 +207,7 @@
           <a:p>
             <a:fld id="{61532AF1-4615-4667-912A-829B12F8C4D2}" type="datetimeFigureOut">
               <a:rPr lang="en-IN" smtClean="0"/>
-              <a:t>26-11-2024</a:t>
+              <a:t>04-12-2024</a:t>
             </a:fld>
             <a:endParaRPr lang="en-IN"/>
           </a:p>
@@ -621,7 +624,7 @@
           <a:p>
             <a:fld id="{C43A76A3-ADC8-4477-8FC1-B9DD55D84908}" type="datetime1">
               <a:rPr lang="en-US" smtClean="0"/>
-              <a:t>11/26/2024</a:t>
+              <a:t>12/4/2024</a:t>
             </a:fld>
             <a:endParaRPr lang="en-US" dirty="0"/>
           </a:p>
@@ -819,7 +822,7 @@
           <a:p>
             <a:fld id="{D6762538-DC4D-4667-96E5-B3278DDF8B12}" type="datetime1">
               <a:rPr lang="en-US" smtClean="0"/>
-              <a:t>11/26/2024</a:t>
+              <a:t>12/4/2024</a:t>
             </a:fld>
             <a:endParaRPr lang="en-US"/>
           </a:p>
@@ -1027,7 +1030,7 @@
           <a:p>
             <a:fld id="{05880548-5C08-4BE3-B63E-F2BB63B0B00C}" type="datetime1">
               <a:rPr lang="en-US" smtClean="0"/>
-              <a:t>11/26/2024</a:t>
+              <a:t>12/4/2024</a:t>
             </a:fld>
             <a:endParaRPr lang="en-US"/>
           </a:p>
@@ -1225,7 +1228,7 @@
           <a:p>
             <a:fld id="{DE7F49BE-398D-479A-8A7E-5DDBCA61EDCB}" type="datetime1">
               <a:rPr lang="en-US" smtClean="0"/>
-              <a:t>11/26/2024</a:t>
+              <a:t>12/4/2024</a:t>
             </a:fld>
             <a:endParaRPr lang="en-US" dirty="0"/>
           </a:p>
@@ -1501,7 +1504,7 @@
           <a:p>
             <a:fld id="{CCD0C193-4974-4A1F-9C63-07D595E30D66}" type="datetime1">
               <a:rPr lang="en-US" smtClean="0"/>
-              <a:t>11/26/2024</a:t>
+              <a:t>12/4/2024</a:t>
             </a:fld>
             <a:endParaRPr lang="en-US"/>
           </a:p>
@@ -1768,7 +1771,7 @@
           <a:p>
             <a:fld id="{701AA87F-28D4-4BF0-B81F-877A89DFD5AC}" type="datetime1">
               <a:rPr lang="en-US" smtClean="0"/>
-              <a:t>11/26/2024</a:t>
+              <a:t>12/4/2024</a:t>
             </a:fld>
             <a:endParaRPr lang="en-US"/>
           </a:p>
@@ -2182,7 +2185,7 @@
           <a:p>
             <a:fld id="{A8A9F1F3-208B-49A3-B337-9C8ACEB3E0E1}" type="datetime1">
               <a:rPr lang="en-US" smtClean="0"/>
-              <a:t>11/26/2024</a:t>
+              <a:t>12/4/2024</a:t>
             </a:fld>
             <a:endParaRPr lang="en-US"/>
           </a:p>
@@ -2329,7 +2332,7 @@
           <a:p>
             <a:fld id="{27AF6CA6-7293-4AA2-A0E0-A3BF4416E786}" type="datetime1">
               <a:rPr lang="en-US" smtClean="0"/>
-              <a:t>11/26/2024</a:t>
+              <a:t>12/4/2024</a:t>
             </a:fld>
             <a:endParaRPr lang="en-US"/>
           </a:p>
@@ -2442,7 +2445,7 @@
           <a:p>
             <a:fld id="{98D87016-7BCD-46FB-8EE3-AB6C369108B4}" type="datetime1">
               <a:rPr lang="en-US" smtClean="0"/>
-              <a:t>11/26/2024</a:t>
+              <a:t>12/4/2024</a:t>
             </a:fld>
             <a:endParaRPr lang="en-US"/>
           </a:p>
@@ -2761,7 +2764,7 @@
           <a:p>
             <a:fld id="{A1547011-1FFC-4EF8-9A2E-53B4AD2ADBD4}" type="datetime1">
               <a:rPr lang="en-US" smtClean="0"/>
-              <a:t>11/26/2024</a:t>
+              <a:t>12/4/2024</a:t>
             </a:fld>
             <a:endParaRPr lang="en-US"/>
           </a:p>
@@ -3056,7 +3059,7 @@
           <a:p>
             <a:fld id="{9562EB47-45B4-4EF5-A743-B4885DD2F060}" type="datetime1">
               <a:rPr lang="en-US" smtClean="0"/>
-              <a:t>11/26/2024</a:t>
+              <a:t>12/4/2024</a:t>
             </a:fld>
             <a:endParaRPr lang="en-US"/>
           </a:p>
@@ -4441,7 +4444,7 @@
           <a:p>
             <a:fld id="{4A8D24A4-5FEC-4062-8995-EB21925B3B40}" type="datetime1">
               <a:rPr lang="en-US" smtClean="0"/>
-              <a:t>11/26/2024</a:t>
+              <a:t>12/4/2024</a:t>
             </a:fld>
             <a:endParaRPr lang="en-US" sz="1000" dirty="0"/>
           </a:p>
@@ -5953,7 +5956,7 @@
 </p:sld>
 </file>
 
-<file path=ppt/slides/slide2.xml><?xml version="1.0" encoding="utf-8"?>
+<file path=ppt/slides/slide10.xml><?xml version="1.0" encoding="utf-8"?>
 <p:sld xmlns:a="http://schemas.openxmlformats.org/drawingml/2006/main" xmlns:r="http://schemas.openxmlformats.org/officeDocument/2006/relationships" xmlns:p="http://schemas.openxmlformats.org/presentationml/2006/main">
   <p:cSld>
     <p:spTree>
@@ -5975,746 +5978,6 @@
           <p:cNvPr id="3" name="Content Placeholder 2">
             <a:extLst>
               <a:ext uri="{FF2B5EF4-FFF2-40B4-BE49-F238E27FC236}">
-                <a16:creationId xmlns:a16="http://schemas.microsoft.com/office/drawing/2014/main" id="{B4FE8E85-8426-4AB7-AD5A-5C275C24FF8D}"/>
-              </a:ext>
-            </a:extLst>
-          </p:cNvPr>
-          <p:cNvSpPr>
-            <a:spLocks noGrp="1"/>
-          </p:cNvSpPr>
-          <p:nvPr>
-            <p:ph idx="1"/>
-          </p:nvPr>
-        </p:nvSpPr>
-        <p:spPr>
-          <a:xfrm>
-            <a:off x="702853" y="719137"/>
-            <a:ext cx="10900568" cy="5313801"/>
-          </a:xfrm>
-        </p:spPr>
-        <p:txBody>
-          <a:bodyPr>
-            <a:normAutofit/>
-          </a:bodyPr>
-          <a:lstStyle/>
-          <a:p>
-            <a:pPr marL="0" indent="0">
-              <a:buNone/>
-            </a:pPr>
-            <a:r>
-              <a:rPr lang="en-US" sz="3200" b="1" dirty="0">
-                <a:solidFill>
-                  <a:srgbClr val="C00000"/>
-                </a:solidFill>
-              </a:rPr>
-              <a:t>Module-1: BASICS OF C PROGRAMMING </a:t>
-            </a:r>
-            <a:r>
-              <a:rPr lang="en-IN" sz="3200" b="1" dirty="0">
-                <a:solidFill>
-                  <a:srgbClr val="C00000"/>
-                </a:solidFill>
-              </a:rPr>
-              <a:t>:</a:t>
-            </a:r>
-          </a:p>
-          <a:p>
-            <a:pPr marL="0" indent="0">
-              <a:buNone/>
-            </a:pPr>
-            <a:r>
-              <a:rPr lang="en-US" sz="3200" b="1" dirty="0"/>
-              <a:t>Introduction to programming paradigms:</a:t>
-            </a:r>
-            <a:r>
-              <a:rPr lang="en-US" sz="3200" dirty="0"/>
-              <a:t> Applications of C Language, Structure of C program</a:t>
-            </a:r>
-          </a:p>
-          <a:p>
-            <a:pPr marL="0" indent="0">
-              <a:buNone/>
-            </a:pPr>
-            <a:r>
-              <a:rPr lang="en-US" sz="3200" b="1" dirty="0"/>
-              <a:t>C programming: </a:t>
-            </a:r>
-            <a:r>
-              <a:rPr lang="en-US" sz="3200" dirty="0"/>
-              <a:t>Data Types, Constants,  Enumeration Constants,  Keywords.</a:t>
-            </a:r>
-          </a:p>
-          <a:p>
-            <a:pPr marL="0" indent="0">
-              <a:buNone/>
-            </a:pPr>
-            <a:r>
-              <a:rPr lang="en-US" sz="3200" b="1" dirty="0"/>
-              <a:t>Operators: </a:t>
-            </a:r>
-            <a:r>
-              <a:rPr lang="en-US" sz="3200" dirty="0"/>
-              <a:t>Precedence and Associativity, Expressions,  Input/Output statements, Assignment statements, Decision making statements, Switch statement, Looping statements Preprocessor directives, Compilation process.</a:t>
-            </a:r>
-            <a:endParaRPr lang="en-IN" sz="3200" dirty="0"/>
-          </a:p>
-        </p:txBody>
-      </p:sp>
-    </p:spTree>
-    <p:extLst>
-      <p:ext uri="{BB962C8B-B14F-4D97-AF65-F5344CB8AC3E}">
-        <p14:creationId xmlns:p14="http://schemas.microsoft.com/office/powerpoint/2010/main" val="707598842"/>
-      </p:ext>
-    </p:extLst>
-  </p:cSld>
-  <p:clrMapOvr>
-    <a:masterClrMapping/>
-  </p:clrMapOvr>
-</p:sld>
-</file>
-
-<file path=ppt/slides/slide3.xml><?xml version="1.0" encoding="utf-8"?>
-<p:sld xmlns:a="http://schemas.openxmlformats.org/drawingml/2006/main" xmlns:r="http://schemas.openxmlformats.org/officeDocument/2006/relationships" xmlns:p="http://schemas.openxmlformats.org/presentationml/2006/main">
-  <p:cSld>
-    <p:spTree>
-      <p:nvGrpSpPr>
-        <p:cNvPr id="1" name="">
-          <a:extLst>
-            <a:ext uri="{FF2B5EF4-FFF2-40B4-BE49-F238E27FC236}">
-              <a16:creationId xmlns:a16="http://schemas.microsoft.com/office/drawing/2014/main" id="{70EF4AB3-E7DC-A7CE-9D14-5BDEF3227342}"/>
-            </a:ext>
-          </a:extLst>
-        </p:cNvPr>
-        <p:cNvGrpSpPr/>
-        <p:nvPr/>
-      </p:nvGrpSpPr>
-      <p:grpSpPr>
-        <a:xfrm>
-          <a:off x="0" y="0"/>
-          <a:ext cx="0" cy="0"/>
-          <a:chOff x="0" y="0"/>
-          <a:chExt cx="0" cy="0"/>
-        </a:xfrm>
-      </p:grpSpPr>
-      <p:sp>
-        <p:nvSpPr>
-          <p:cNvPr id="3" name="Content Placeholder 2">
-            <a:extLst>
-              <a:ext uri="{FF2B5EF4-FFF2-40B4-BE49-F238E27FC236}">
-                <a16:creationId xmlns:a16="http://schemas.microsoft.com/office/drawing/2014/main" id="{892E5A9B-B287-0C94-62E0-A71FF1423639}"/>
-              </a:ext>
-            </a:extLst>
-          </p:cNvPr>
-          <p:cNvSpPr>
-            <a:spLocks noGrp="1"/>
-          </p:cNvSpPr>
-          <p:nvPr>
-            <p:ph idx="1"/>
-          </p:nvPr>
-        </p:nvSpPr>
-        <p:spPr>
-          <a:xfrm>
-            <a:off x="913059" y="1602006"/>
-            <a:ext cx="10732404" cy="3495511"/>
-          </a:xfrm>
-        </p:spPr>
-        <p:txBody>
-          <a:bodyPr>
-            <a:normAutofit/>
-          </a:bodyPr>
-          <a:lstStyle/>
-          <a:p>
-            <a:pPr marL="0" indent="0">
-              <a:buNone/>
-            </a:pPr>
-            <a:r>
-              <a:rPr lang="en-US" sz="3600" b="1" dirty="0">
-                <a:solidFill>
-                  <a:srgbClr val="C00000"/>
-                </a:solidFill>
-              </a:rPr>
-              <a:t>Module-2: ARRAYS AND STRINGS </a:t>
-            </a:r>
-            <a:r>
-              <a:rPr lang="en-IN" sz="3600" b="1" dirty="0">
-                <a:solidFill>
-                  <a:srgbClr val="C00000"/>
-                </a:solidFill>
-              </a:rPr>
-              <a:t>:</a:t>
-            </a:r>
-          </a:p>
-          <a:p>
-            <a:pPr marL="0" indent="0">
-              <a:buNone/>
-            </a:pPr>
-            <a:r>
-              <a:rPr lang="en-US" sz="3600" b="1" dirty="0"/>
-              <a:t>Introduction to Arrays: </a:t>
-            </a:r>
-            <a:r>
-              <a:rPr lang="en-US" sz="3600" dirty="0"/>
-              <a:t>Declaration, Initialization One dimensional array Two dimensional arrays.</a:t>
-            </a:r>
-          </a:p>
-          <a:p>
-            <a:pPr marL="0" indent="0">
-              <a:buNone/>
-            </a:pPr>
-            <a:r>
-              <a:rPr lang="en-US" sz="3600" b="1" dirty="0"/>
-              <a:t>String operations: </a:t>
-            </a:r>
-            <a:r>
-              <a:rPr lang="en-US" sz="3600" dirty="0"/>
-              <a:t>length, compare, concatenate, copy, Selection sort, linear and binary search.</a:t>
-            </a:r>
-            <a:endParaRPr lang="en-IN" sz="3600" dirty="0"/>
-          </a:p>
-        </p:txBody>
-      </p:sp>
-    </p:spTree>
-    <p:extLst>
-      <p:ext uri="{BB962C8B-B14F-4D97-AF65-F5344CB8AC3E}">
-        <p14:creationId xmlns:p14="http://schemas.microsoft.com/office/powerpoint/2010/main" val="3820529970"/>
-      </p:ext>
-    </p:extLst>
-  </p:cSld>
-  <p:clrMapOvr>
-    <a:masterClrMapping/>
-  </p:clrMapOvr>
-</p:sld>
-</file>
-
-<file path=ppt/slides/slide4.xml><?xml version="1.0" encoding="utf-8"?>
-<p:sld xmlns:a="http://schemas.openxmlformats.org/drawingml/2006/main" xmlns:r="http://schemas.openxmlformats.org/officeDocument/2006/relationships" xmlns:p="http://schemas.openxmlformats.org/presentationml/2006/main">
-  <p:cSld>
-    <p:spTree>
-      <p:nvGrpSpPr>
-        <p:cNvPr id="1" name="">
-          <a:extLst>
-            <a:ext uri="{FF2B5EF4-FFF2-40B4-BE49-F238E27FC236}">
-              <a16:creationId xmlns:a16="http://schemas.microsoft.com/office/drawing/2014/main" id="{D027FD6E-412A-B2F1-6441-073824C05963}"/>
-            </a:ext>
-          </a:extLst>
-        </p:cNvPr>
-        <p:cNvGrpSpPr/>
-        <p:nvPr/>
-      </p:nvGrpSpPr>
-      <p:grpSpPr>
-        <a:xfrm>
-          <a:off x="0" y="0"/>
-          <a:ext cx="0" cy="0"/>
-          <a:chOff x="0" y="0"/>
-          <a:chExt cx="0" cy="0"/>
-        </a:xfrm>
-      </p:grpSpPr>
-      <p:sp>
-        <p:nvSpPr>
-          <p:cNvPr id="3" name="Content Placeholder 2">
-            <a:extLst>
-              <a:ext uri="{FF2B5EF4-FFF2-40B4-BE49-F238E27FC236}">
-                <a16:creationId xmlns:a16="http://schemas.microsoft.com/office/drawing/2014/main" id="{086C5E49-D2B4-9EE3-D747-3EF6662842B5}"/>
-              </a:ext>
-            </a:extLst>
-          </p:cNvPr>
-          <p:cNvSpPr>
-            <a:spLocks noGrp="1"/>
-          </p:cNvSpPr>
-          <p:nvPr>
-            <p:ph idx="1"/>
-          </p:nvPr>
-        </p:nvSpPr>
-        <p:spPr>
-          <a:xfrm>
-            <a:off x="913058" y="1103586"/>
-            <a:ext cx="10795465" cy="4340773"/>
-          </a:xfrm>
-        </p:spPr>
-        <p:txBody>
-          <a:bodyPr>
-            <a:normAutofit/>
-          </a:bodyPr>
-          <a:lstStyle/>
-          <a:p>
-            <a:pPr marL="0" indent="0">
-              <a:buNone/>
-            </a:pPr>
-            <a:r>
-              <a:rPr lang="en-US" sz="3600" b="1" dirty="0">
-                <a:solidFill>
-                  <a:srgbClr val="C00000"/>
-                </a:solidFill>
-              </a:rPr>
-              <a:t>Module-3: FUNCTIONS AND POINTERS </a:t>
-            </a:r>
-            <a:r>
-              <a:rPr lang="en-IN" sz="3600" b="1" dirty="0">
-                <a:solidFill>
-                  <a:srgbClr val="C00000"/>
-                </a:solidFill>
-              </a:rPr>
-              <a:t>:</a:t>
-            </a:r>
-          </a:p>
-          <a:p>
-            <a:pPr marL="0" indent="0">
-              <a:buNone/>
-            </a:pPr>
-            <a:r>
-              <a:rPr lang="en-US" sz="3200" b="1" dirty="0"/>
-              <a:t>Modular programming :</a:t>
-            </a:r>
-            <a:r>
-              <a:rPr lang="en-US" sz="3200" dirty="0"/>
-              <a:t> Function prototype, function definition, function call, Built-in functions (string functions, math functions) Recursion, Binary Search using recursive functions.</a:t>
-            </a:r>
-          </a:p>
-          <a:p>
-            <a:pPr marL="0" indent="0">
-              <a:buNone/>
-            </a:pPr>
-            <a:r>
-              <a:rPr lang="en-US" sz="3200" b="1" dirty="0"/>
-              <a:t>Pointers:</a:t>
-            </a:r>
-            <a:r>
-              <a:rPr lang="en-US" sz="3200" dirty="0"/>
-              <a:t> Pointer operators, Pointer arithmetic, Arrays and pointers, Array of pointers.</a:t>
-            </a:r>
-          </a:p>
-          <a:p>
-            <a:pPr marL="0" indent="0">
-              <a:buNone/>
-            </a:pPr>
-            <a:r>
-              <a:rPr lang="en-US" sz="3200" b="1" dirty="0"/>
-              <a:t>Parameter passing: </a:t>
-            </a:r>
-            <a:r>
-              <a:rPr lang="en-US" sz="3200" dirty="0"/>
-              <a:t>Pass by value, Pass by reference. </a:t>
-            </a:r>
-            <a:endParaRPr lang="en-IN" sz="3600" dirty="0"/>
-          </a:p>
-        </p:txBody>
-      </p:sp>
-    </p:spTree>
-    <p:extLst>
-      <p:ext uri="{BB962C8B-B14F-4D97-AF65-F5344CB8AC3E}">
-        <p14:creationId xmlns:p14="http://schemas.microsoft.com/office/powerpoint/2010/main" val="1741904406"/>
-      </p:ext>
-    </p:extLst>
-  </p:cSld>
-  <p:clrMapOvr>
-    <a:masterClrMapping/>
-  </p:clrMapOvr>
-</p:sld>
-</file>
-
-<file path=ppt/slides/slide5.xml><?xml version="1.0" encoding="utf-8"?>
-<p:sld xmlns:a="http://schemas.openxmlformats.org/drawingml/2006/main" xmlns:r="http://schemas.openxmlformats.org/officeDocument/2006/relationships" xmlns:p="http://schemas.openxmlformats.org/presentationml/2006/main">
-  <p:cSld>
-    <p:spTree>
-      <p:nvGrpSpPr>
-        <p:cNvPr id="1" name="">
-          <a:extLst>
-            <a:ext uri="{FF2B5EF4-FFF2-40B4-BE49-F238E27FC236}">
-              <a16:creationId xmlns:a16="http://schemas.microsoft.com/office/drawing/2014/main" id="{5A586F5F-E3B6-C2E0-511F-712CC24C0971}"/>
-            </a:ext>
-          </a:extLst>
-        </p:cNvPr>
-        <p:cNvGrpSpPr/>
-        <p:nvPr/>
-      </p:nvGrpSpPr>
-      <p:grpSpPr>
-        <a:xfrm>
-          <a:off x="0" y="0"/>
-          <a:ext cx="0" cy="0"/>
-          <a:chOff x="0" y="0"/>
-          <a:chExt cx="0" cy="0"/>
-        </a:xfrm>
-      </p:grpSpPr>
-      <p:sp>
-        <p:nvSpPr>
-          <p:cNvPr id="3" name="Content Placeholder 2">
-            <a:extLst>
-              <a:ext uri="{FF2B5EF4-FFF2-40B4-BE49-F238E27FC236}">
-                <a16:creationId xmlns:a16="http://schemas.microsoft.com/office/drawing/2014/main" id="{86A8D5FB-2FB5-E6BC-C140-7910375D1950}"/>
-              </a:ext>
-            </a:extLst>
-          </p:cNvPr>
-          <p:cNvSpPr>
-            <a:spLocks noGrp="1"/>
-          </p:cNvSpPr>
-          <p:nvPr>
-            <p:ph idx="1"/>
-          </p:nvPr>
-        </p:nvSpPr>
-        <p:spPr>
-          <a:xfrm>
-            <a:off x="860506" y="746233"/>
-            <a:ext cx="10795465" cy="5433850"/>
-          </a:xfrm>
-        </p:spPr>
-        <p:txBody>
-          <a:bodyPr>
-            <a:normAutofit/>
-          </a:bodyPr>
-          <a:lstStyle/>
-          <a:p>
-            <a:pPr marL="0" indent="0">
-              <a:buNone/>
-            </a:pPr>
-            <a:r>
-              <a:rPr lang="en-US" sz="3200" b="1" dirty="0">
-                <a:solidFill>
-                  <a:srgbClr val="C00000"/>
-                </a:solidFill>
-              </a:rPr>
-              <a:t>Module-4: STRUCTURES AND UNION </a:t>
-            </a:r>
-            <a:r>
-              <a:rPr lang="en-IN" sz="3200" b="1" dirty="0">
-                <a:solidFill>
-                  <a:srgbClr val="C00000"/>
-                </a:solidFill>
-              </a:rPr>
-              <a:t>:</a:t>
-            </a:r>
-          </a:p>
-          <a:p>
-            <a:pPr marL="0" indent="0">
-              <a:buNone/>
-            </a:pPr>
-            <a:r>
-              <a:rPr lang="en-US" sz="3200" b="1" dirty="0"/>
-              <a:t>Structure: </a:t>
-            </a:r>
-            <a:r>
-              <a:rPr lang="en-US" sz="3200" dirty="0"/>
-              <a:t>Nested structures, Pointer and Structures, Array of structures, Self referential structures </a:t>
-            </a:r>
-          </a:p>
-          <a:p>
-            <a:pPr marL="0" indent="0">
-              <a:buNone/>
-            </a:pPr>
-            <a:r>
-              <a:rPr lang="en-US" sz="3200" b="1" dirty="0"/>
-              <a:t>Dynamic memory allocation:</a:t>
-            </a:r>
-            <a:r>
-              <a:rPr lang="en-US" sz="3200" dirty="0"/>
-              <a:t> Singly linked list, typedef </a:t>
-            </a:r>
-          </a:p>
-          <a:p>
-            <a:pPr marL="0" indent="0">
-              <a:buNone/>
-            </a:pPr>
-            <a:r>
-              <a:rPr lang="en-US" sz="3200" b="1" dirty="0"/>
-              <a:t>Union: </a:t>
-            </a:r>
-            <a:r>
-              <a:rPr lang="en-US" sz="3200" dirty="0"/>
-              <a:t>Storage classes and Visibility.</a:t>
-            </a:r>
-          </a:p>
-          <a:p>
-            <a:pPr marL="0" indent="0">
-              <a:buNone/>
-            </a:pPr>
-            <a:endParaRPr lang="en-US" sz="900" dirty="0"/>
-          </a:p>
-          <a:p>
-            <a:pPr marL="0" indent="0">
-              <a:buNone/>
-            </a:pPr>
-            <a:r>
-              <a:rPr lang="en-US" sz="3200" b="1" dirty="0">
-                <a:solidFill>
-                  <a:srgbClr val="C00000"/>
-                </a:solidFill>
-              </a:rPr>
-              <a:t>Module-5: FILE PROCESSING </a:t>
-            </a:r>
-            <a:r>
-              <a:rPr lang="en-IN" sz="3200" b="1" dirty="0">
-                <a:solidFill>
-                  <a:srgbClr val="C00000"/>
-                </a:solidFill>
-              </a:rPr>
-              <a:t>:</a:t>
-            </a:r>
-          </a:p>
-          <a:p>
-            <a:pPr marL="0" indent="0">
-              <a:buNone/>
-            </a:pPr>
-            <a:r>
-              <a:rPr lang="en-US" sz="3200" b="1" dirty="0"/>
-              <a:t>Files Types of file processing: </a:t>
-            </a:r>
-            <a:r>
-              <a:rPr lang="en-US" sz="3200" dirty="0"/>
-              <a:t>Sequential access, Random access Sequential access file - Random access file - Command line arguments.</a:t>
-            </a:r>
-            <a:endParaRPr lang="en-IN" sz="3600" dirty="0"/>
-          </a:p>
-          <a:p>
-            <a:pPr marL="0" indent="0">
-              <a:buNone/>
-            </a:pPr>
-            <a:endParaRPr lang="en-IN" sz="3200" dirty="0"/>
-          </a:p>
-        </p:txBody>
-      </p:sp>
-    </p:spTree>
-    <p:extLst>
-      <p:ext uri="{BB962C8B-B14F-4D97-AF65-F5344CB8AC3E}">
-        <p14:creationId xmlns:p14="http://schemas.microsoft.com/office/powerpoint/2010/main" val="911344345"/>
-      </p:ext>
-    </p:extLst>
-  </p:cSld>
-  <p:clrMapOvr>
-    <a:masterClrMapping/>
-  </p:clrMapOvr>
-</p:sld>
-</file>
-
-<file path=ppt/slides/slide6.xml><?xml version="1.0" encoding="utf-8"?>
-<p:sld xmlns:a="http://schemas.openxmlformats.org/drawingml/2006/main" xmlns:r="http://schemas.openxmlformats.org/officeDocument/2006/relationships" xmlns:p="http://schemas.openxmlformats.org/presentationml/2006/main">
-  <p:cSld>
-    <p:spTree>
-      <p:nvGrpSpPr>
-        <p:cNvPr id="1" name=""/>
-        <p:cNvGrpSpPr/>
-        <p:nvPr/>
-      </p:nvGrpSpPr>
-      <p:grpSpPr>
-        <a:xfrm>
-          <a:off x="0" y="0"/>
-          <a:ext cx="0" cy="0"/>
-          <a:chOff x="0" y="0"/>
-          <a:chExt cx="0" cy="0"/>
-        </a:xfrm>
-      </p:grpSpPr>
-      <p:sp>
-        <p:nvSpPr>
-          <p:cNvPr id="3" name="Content Placeholder 2">
-            <a:extLst>
-              <a:ext uri="{FF2B5EF4-FFF2-40B4-BE49-F238E27FC236}">
-                <a16:creationId xmlns:a16="http://schemas.microsoft.com/office/drawing/2014/main" id="{686DB707-FE8D-6C55-E955-6251D807F941}"/>
-              </a:ext>
-            </a:extLst>
-          </p:cNvPr>
-          <p:cNvSpPr>
-            <a:spLocks noGrp="1"/>
-          </p:cNvSpPr>
-          <p:nvPr>
-            <p:ph idx="1"/>
-          </p:nvPr>
-        </p:nvSpPr>
-        <p:spPr>
-          <a:xfrm>
-            <a:off x="777240" y="609600"/>
-            <a:ext cx="11057710" cy="5756366"/>
-          </a:xfrm>
-        </p:spPr>
-        <p:txBody>
-          <a:bodyPr>
-            <a:normAutofit lnSpcReduction="10000"/>
-          </a:bodyPr>
-          <a:lstStyle/>
-          <a:p>
-            <a:pPr marL="0" indent="0">
-              <a:buNone/>
-            </a:pPr>
-            <a:r>
-              <a:rPr lang="en-IN" sz="2800" b="1" dirty="0">
-                <a:solidFill>
-                  <a:srgbClr val="C00000"/>
-                </a:solidFill>
-              </a:rPr>
-              <a:t>Experiments or Lab Programs:</a:t>
-            </a:r>
-          </a:p>
-          <a:p>
-            <a:pPr marL="457200" indent="-457200">
-              <a:buFont typeface="+mj-lt"/>
-              <a:buAutoNum type="arabicPeriod"/>
-            </a:pPr>
-            <a:r>
-              <a:rPr lang="en-US" sz="2200" dirty="0"/>
-              <a:t>Simulation of a </a:t>
-            </a:r>
-            <a:r>
-              <a:rPr lang="en-US" sz="2200" b="1" dirty="0"/>
-              <a:t>Simple Calculator</a:t>
-            </a:r>
-            <a:r>
-              <a:rPr lang="en-US" sz="2200" dirty="0"/>
-              <a:t>. </a:t>
-            </a:r>
-          </a:p>
-          <a:p>
-            <a:pPr marL="457200" indent="-457200">
-              <a:buFont typeface="+mj-lt"/>
-              <a:buAutoNum type="arabicPeriod"/>
-            </a:pPr>
-            <a:r>
-              <a:rPr lang="en-US" sz="2200" dirty="0"/>
-              <a:t>Implement </a:t>
-            </a:r>
-            <a:r>
-              <a:rPr lang="en-US" sz="2200" b="1" dirty="0"/>
-              <a:t>Binary Search </a:t>
-            </a:r>
-            <a:r>
-              <a:rPr lang="en-US" sz="2200" dirty="0"/>
-              <a:t>on Integers </a:t>
-            </a:r>
-          </a:p>
-          <a:p>
-            <a:pPr marL="457200" indent="-457200">
-              <a:buFont typeface="+mj-lt"/>
-              <a:buAutoNum type="arabicPeriod"/>
-            </a:pPr>
-            <a:r>
-              <a:rPr lang="en-US" sz="2200" dirty="0"/>
-              <a:t>Sort the given set of N numbers using </a:t>
-            </a:r>
-            <a:r>
-              <a:rPr lang="en-US" sz="2200" b="1" dirty="0"/>
-              <a:t>Bubble sort</a:t>
-            </a:r>
-            <a:r>
-              <a:rPr lang="en-US" sz="2200" dirty="0"/>
-              <a:t>.</a:t>
-            </a:r>
-          </a:p>
-          <a:p>
-            <a:pPr marL="457200" indent="-457200">
-              <a:buFont typeface="+mj-lt"/>
-              <a:buAutoNum type="arabicPeriod"/>
-            </a:pPr>
-            <a:r>
-              <a:rPr lang="en-US" sz="2200" dirty="0"/>
-              <a:t>Implement </a:t>
-            </a:r>
-            <a:r>
-              <a:rPr lang="en-US" sz="2200" b="1" dirty="0"/>
-              <a:t>Matrix multiplication </a:t>
-            </a:r>
-            <a:r>
-              <a:rPr lang="en-US" sz="2200" dirty="0"/>
-              <a:t>and validate the rules of multiplication.</a:t>
-            </a:r>
-          </a:p>
-          <a:p>
-            <a:pPr marL="457200" indent="-457200">
-              <a:buFont typeface="+mj-lt"/>
-              <a:buAutoNum type="arabicPeriod"/>
-            </a:pPr>
-            <a:r>
-              <a:rPr lang="en-US" sz="2200" dirty="0"/>
-              <a:t>An electricity board charges the following rates for the use of electricity: for the first 200 units 80 paise per unit: for the next 100 units 90 paise per unit: beyond 300 units Rs 1 per unit. All users are charged a minimum of Rs. 100 as meter charge. If the total amount is more than Rs 400, then an additional charge of 15% of total amount is charged. Write a program to read the name of the user, number of units consumed and print out the charges.</a:t>
-            </a:r>
-          </a:p>
-          <a:p>
-            <a:pPr marL="457200" indent="-457200">
-              <a:buFont typeface="+mj-lt"/>
-              <a:buAutoNum type="arabicPeriod"/>
-            </a:pPr>
-            <a:r>
-              <a:rPr lang="en-US" sz="2200" dirty="0"/>
-              <a:t>Write functions to implement </a:t>
-            </a:r>
-            <a:r>
-              <a:rPr lang="en-US" sz="2200" b="1" dirty="0"/>
-              <a:t>string operations </a:t>
-            </a:r>
-            <a:r>
-              <a:rPr lang="en-US" sz="2200" dirty="0"/>
-              <a:t>such as compare, concatenate, and find string length. Use the parameter passing techniques.</a:t>
-            </a:r>
-          </a:p>
-          <a:p>
-            <a:pPr marL="457200" indent="-457200">
-              <a:buFont typeface="+mj-lt"/>
-              <a:buAutoNum type="arabicPeriod"/>
-            </a:pPr>
-            <a:r>
-              <a:rPr lang="en-US" sz="2200" dirty="0"/>
-              <a:t>Implement </a:t>
-            </a:r>
-            <a:r>
-              <a:rPr lang="en-US" sz="2200" b="1" dirty="0"/>
-              <a:t>structures</a:t>
-            </a:r>
-            <a:r>
-              <a:rPr lang="en-US" sz="2200" dirty="0"/>
-              <a:t> to read, write and compute average- marks of the students, list the students scoring above and below the average marks for a class of N students.</a:t>
-            </a:r>
-          </a:p>
-          <a:p>
-            <a:pPr marL="457200" indent="-457200">
-              <a:buFont typeface="+mj-lt"/>
-              <a:buAutoNum type="arabicPeriod"/>
-            </a:pPr>
-            <a:r>
-              <a:rPr lang="en-US" sz="2200" dirty="0"/>
-              <a:t>Write a C program to copy a text </a:t>
-            </a:r>
-            <a:r>
-              <a:rPr lang="en-US" sz="2200" b="1" dirty="0"/>
-              <a:t>file</a:t>
-            </a:r>
-            <a:r>
-              <a:rPr lang="en-US" sz="2200" dirty="0"/>
-              <a:t> to another, read both the input file name and target file name. </a:t>
-            </a:r>
-            <a:endParaRPr lang="en-IN" sz="2200" dirty="0"/>
-          </a:p>
-        </p:txBody>
-      </p:sp>
-    </p:spTree>
-    <p:extLst>
-      <p:ext uri="{BB962C8B-B14F-4D97-AF65-F5344CB8AC3E}">
-        <p14:creationId xmlns:p14="http://schemas.microsoft.com/office/powerpoint/2010/main" val="769431239"/>
-      </p:ext>
-    </p:extLst>
-  </p:cSld>
-  <p:clrMapOvr>
-    <a:masterClrMapping/>
-  </p:clrMapOvr>
-</p:sld>
-</file>
-
-<file path=ppt/slides/slide7.xml><?xml version="1.0" encoding="utf-8"?>
-<p:sld xmlns:a="http://schemas.openxmlformats.org/drawingml/2006/main" xmlns:r="http://schemas.openxmlformats.org/officeDocument/2006/relationships" xmlns:p="http://schemas.openxmlformats.org/presentationml/2006/main">
-  <p:cSld>
-    <p:spTree>
-      <p:nvGrpSpPr>
-        <p:cNvPr id="1" name=""/>
-        <p:cNvGrpSpPr/>
-        <p:nvPr/>
-      </p:nvGrpSpPr>
-      <p:grpSpPr>
-        <a:xfrm>
-          <a:off x="0" y="0"/>
-          <a:ext cx="0" cy="0"/>
-          <a:chOff x="0" y="0"/>
-          <a:chExt cx="0" cy="0"/>
-        </a:xfrm>
-      </p:grpSpPr>
-      <p:sp>
-        <p:nvSpPr>
-          <p:cNvPr id="3" name="Content Placeholder 2">
-            <a:extLst>
-              <a:ext uri="{FF2B5EF4-FFF2-40B4-BE49-F238E27FC236}">
                 <a16:creationId xmlns:a16="http://schemas.microsoft.com/office/drawing/2014/main" id="{449AB4E5-FB4E-FC4C-EB67-4372B5E09E6E}"/>
               </a:ext>
             </a:extLst>
@@ -6880,7 +6143,7 @@
 </p:sld>
 </file>
 
-<file path=ppt/slides/slide8.xml><?xml version="1.0" encoding="utf-8"?>
+<file path=ppt/slides/slide11.xml><?xml version="1.0" encoding="utf-8"?>
 <p:sld xmlns:a="http://schemas.openxmlformats.org/drawingml/2006/main" xmlns:r="http://schemas.openxmlformats.org/officeDocument/2006/relationships" xmlns:p="http://schemas.openxmlformats.org/presentationml/2006/main">
   <p:cSld>
     <p:spTree>
@@ -7353,12 +6616,12 @@
                         </a:spcAft>
                       </a:pPr>
                       <a:r>
-                        <a:rPr lang="en-IN" sz="2400" kern="100">
+                        <a:rPr lang="en-IN" sz="2400" kern="100" dirty="0">
                           <a:effectLst/>
                         </a:rPr>
                         <a:t>Design and implement applications using arrays and strings</a:t>
                       </a:r>
-                      <a:endParaRPr lang="en-IN" sz="2400" kern="100">
+                      <a:endParaRPr lang="en-IN" sz="2400" kern="100" dirty="0">
                         <a:effectLst/>
                         <a:latin typeface="Aptos" panose="020B0004020202020204" pitchFamily="34" charset="0"/>
                         <a:ea typeface="Aptos" panose="020B0004020202020204" pitchFamily="34" charset="0"/>
@@ -7541,12 +6804,12 @@
                         </a:spcAft>
                       </a:pPr>
                       <a:r>
-                        <a:rPr lang="en-IN" sz="2400" kern="100">
+                        <a:rPr lang="en-IN" sz="2400" kern="100" dirty="0">
                           <a:effectLst/>
                         </a:rPr>
                         <a:t>Develop applications in C using structures and pointers</a:t>
                       </a:r>
-                      <a:endParaRPr lang="en-IN" sz="2400" kern="100">
+                      <a:endParaRPr lang="en-IN" sz="2400" kern="100" dirty="0">
                         <a:effectLst/>
                         <a:latin typeface="Aptos" panose="020B0004020202020204" pitchFamily="34" charset="0"/>
                         <a:ea typeface="Aptos" panose="020B0004020202020204" pitchFamily="34" charset="0"/>
@@ -7599,6 +6862,1142 @@
     <p:extLst>
       <p:ext uri="{BB962C8B-B14F-4D97-AF65-F5344CB8AC3E}">
         <p14:creationId xmlns:p14="http://schemas.microsoft.com/office/powerpoint/2010/main" val="2606679775"/>
+      </p:ext>
+    </p:extLst>
+  </p:cSld>
+  <p:clrMapOvr>
+    <a:masterClrMapping/>
+  </p:clrMapOvr>
+</p:sld>
+</file>
+
+<file path=ppt/slides/slide2.xml><?xml version="1.0" encoding="utf-8"?>
+<p:sld xmlns:a="http://schemas.openxmlformats.org/drawingml/2006/main" xmlns:r="http://schemas.openxmlformats.org/officeDocument/2006/relationships" xmlns:p="http://schemas.openxmlformats.org/presentationml/2006/main">
+  <p:cSld>
+    <p:spTree>
+      <p:nvGrpSpPr>
+        <p:cNvPr id="1" name=""/>
+        <p:cNvGrpSpPr/>
+        <p:nvPr/>
+      </p:nvGrpSpPr>
+      <p:grpSpPr>
+        <a:xfrm>
+          <a:off x="0" y="0"/>
+          <a:ext cx="0" cy="0"/>
+          <a:chOff x="0" y="0"/>
+          <a:chExt cx="0" cy="0"/>
+        </a:xfrm>
+      </p:grpSpPr>
+      <p:sp>
+        <p:nvSpPr>
+          <p:cNvPr id="3" name="Content Placeholder 2">
+            <a:extLst>
+              <a:ext uri="{FF2B5EF4-FFF2-40B4-BE49-F238E27FC236}">
+                <a16:creationId xmlns:a16="http://schemas.microsoft.com/office/drawing/2014/main" id="{1119A854-EDDF-1D72-2A23-29F0256D52D6}"/>
+              </a:ext>
+            </a:extLst>
+          </p:cNvPr>
+          <p:cNvSpPr>
+            <a:spLocks noGrp="1"/>
+          </p:cNvSpPr>
+          <p:nvPr>
+            <p:ph idx="1"/>
+          </p:nvPr>
+        </p:nvSpPr>
+        <p:spPr>
+          <a:xfrm>
+            <a:off x="1520734" y="1055915"/>
+            <a:ext cx="9455331" cy="4474028"/>
+          </a:xfrm>
+        </p:spPr>
+        <p:txBody>
+          <a:bodyPr>
+            <a:normAutofit/>
+          </a:bodyPr>
+          <a:lstStyle/>
+          <a:p>
+            <a:pPr marL="0" indent="0">
+              <a:buNone/>
+            </a:pPr>
+            <a:r>
+              <a:rPr lang="en-IN" sz="3400" b="1" dirty="0">
+                <a:solidFill>
+                  <a:srgbClr val="C00000"/>
+                </a:solidFill>
+              </a:rPr>
+              <a:t>Classroom Etiquette and Guidelines:</a:t>
+            </a:r>
+            <a:endParaRPr lang="en-US" sz="3400" b="1" dirty="0">
+              <a:solidFill>
+                <a:srgbClr val="C00000"/>
+              </a:solidFill>
+            </a:endParaRPr>
+          </a:p>
+          <a:p>
+            <a:pPr marL="457200" indent="-457200">
+              <a:buFont typeface="+mj-lt"/>
+              <a:buAutoNum type="arabicPeriod"/>
+            </a:pPr>
+            <a:r>
+              <a:rPr lang="en-US" sz="3200" dirty="0"/>
+              <a:t>Let me know if the </a:t>
+            </a:r>
+            <a:r>
+              <a:rPr lang="en-US" sz="3200" b="1" dirty="0"/>
+              <a:t>pace of the class </a:t>
+            </a:r>
+            <a:r>
+              <a:rPr lang="en-US" sz="3200" dirty="0"/>
+              <a:t>is too fast.</a:t>
+            </a:r>
+          </a:p>
+          <a:p>
+            <a:pPr marL="457200" indent="-457200">
+              <a:buFont typeface="+mj-lt"/>
+              <a:buAutoNum type="arabicPeriod"/>
+            </a:pPr>
+            <a:r>
+              <a:rPr lang="en-US" sz="3200" dirty="0"/>
+              <a:t>Feel free to </a:t>
+            </a:r>
+            <a:r>
+              <a:rPr lang="en-US" sz="3200" b="1" dirty="0"/>
+              <a:t>ask questions </a:t>
+            </a:r>
+            <a:r>
+              <a:rPr lang="en-US" sz="3200" dirty="0"/>
+              <a:t>if you have any doubts.</a:t>
+            </a:r>
+          </a:p>
+          <a:p>
+            <a:pPr marL="457200" indent="-457200">
+              <a:buFont typeface="+mj-lt"/>
+              <a:buAutoNum type="arabicPeriod"/>
+            </a:pPr>
+            <a:r>
+              <a:rPr lang="en-US" sz="3200" b="1" dirty="0"/>
+              <a:t>Try to Answer </a:t>
+            </a:r>
+            <a:r>
+              <a:rPr lang="en-US" sz="3200" dirty="0"/>
+              <a:t>the Question</a:t>
+            </a:r>
+          </a:p>
+          <a:p>
+            <a:pPr marL="457200" indent="-457200">
+              <a:buFont typeface="+mj-lt"/>
+              <a:buAutoNum type="arabicPeriod"/>
+            </a:pPr>
+            <a:r>
+              <a:rPr lang="en-US" sz="3200" dirty="0"/>
+              <a:t>Always </a:t>
+            </a:r>
+            <a:r>
+              <a:rPr lang="en-US" sz="3200" b="1" dirty="0"/>
+              <a:t>arrive on time</a:t>
+            </a:r>
+            <a:r>
+              <a:rPr lang="en-US" sz="3200" dirty="0"/>
+              <a:t>.</a:t>
+            </a:r>
+          </a:p>
+          <a:p>
+            <a:pPr marL="457200" indent="-457200">
+              <a:buFont typeface="+mj-lt"/>
+              <a:buAutoNum type="arabicPeriod"/>
+            </a:pPr>
+            <a:r>
+              <a:rPr lang="en-US" sz="3200" b="1" dirty="0"/>
+              <a:t>Do not talk </a:t>
+            </a:r>
+            <a:r>
+              <a:rPr lang="en-US" sz="3200" dirty="0"/>
+              <a:t>while the class is in session.</a:t>
+            </a:r>
+          </a:p>
+          <a:p>
+            <a:pPr marL="457200" indent="-457200">
+              <a:buFont typeface="+mj-lt"/>
+              <a:buAutoNum type="arabicPeriod"/>
+            </a:pPr>
+            <a:r>
+              <a:rPr lang="en-US" sz="3200" dirty="0"/>
+              <a:t>Avoid </a:t>
+            </a:r>
+            <a:r>
+              <a:rPr lang="en-US" sz="3200" b="1" dirty="0"/>
+              <a:t>eating</a:t>
+            </a:r>
+            <a:r>
+              <a:rPr lang="en-US" sz="3200" dirty="0"/>
+              <a:t> during the class. </a:t>
+            </a:r>
+          </a:p>
+          <a:p>
+            <a:pPr marL="457200" indent="-457200">
+              <a:buFont typeface="+mj-lt"/>
+              <a:buAutoNum type="arabicPeriod"/>
+            </a:pPr>
+            <a:endParaRPr lang="en-IN" sz="3200" dirty="0"/>
+          </a:p>
+        </p:txBody>
+      </p:sp>
+    </p:spTree>
+    <p:extLst>
+      <p:ext uri="{BB962C8B-B14F-4D97-AF65-F5344CB8AC3E}">
+        <p14:creationId xmlns:p14="http://schemas.microsoft.com/office/powerpoint/2010/main" val="3920235157"/>
+      </p:ext>
+    </p:extLst>
+  </p:cSld>
+  <p:clrMapOvr>
+    <a:masterClrMapping/>
+  </p:clrMapOvr>
+</p:sld>
+</file>
+
+<file path=ppt/slides/slide3.xml><?xml version="1.0" encoding="utf-8"?>
+<p:sld xmlns:a="http://schemas.openxmlformats.org/drawingml/2006/main" xmlns:r="http://schemas.openxmlformats.org/officeDocument/2006/relationships" xmlns:p="http://schemas.openxmlformats.org/presentationml/2006/main">
+  <p:cSld>
+    <p:spTree>
+      <p:nvGrpSpPr>
+        <p:cNvPr id="1" name=""/>
+        <p:cNvGrpSpPr/>
+        <p:nvPr/>
+      </p:nvGrpSpPr>
+      <p:grpSpPr>
+        <a:xfrm>
+          <a:off x="0" y="0"/>
+          <a:ext cx="0" cy="0"/>
+          <a:chOff x="0" y="0"/>
+          <a:chExt cx="0" cy="0"/>
+        </a:xfrm>
+      </p:grpSpPr>
+      <p:sp>
+        <p:nvSpPr>
+          <p:cNvPr id="3" name="Content Placeholder 2">
+            <a:extLst>
+              <a:ext uri="{FF2B5EF4-FFF2-40B4-BE49-F238E27FC236}">
+                <a16:creationId xmlns:a16="http://schemas.microsoft.com/office/drawing/2014/main" id="{B4FE8E85-8426-4AB7-AD5A-5C275C24FF8D}"/>
+              </a:ext>
+            </a:extLst>
+          </p:cNvPr>
+          <p:cNvSpPr>
+            <a:spLocks noGrp="1"/>
+          </p:cNvSpPr>
+          <p:nvPr>
+            <p:ph idx="1"/>
+          </p:nvPr>
+        </p:nvSpPr>
+        <p:spPr>
+          <a:xfrm>
+            <a:off x="710381" y="2247900"/>
+            <a:ext cx="10567219" cy="1181100"/>
+          </a:xfrm>
+        </p:spPr>
+        <p:txBody>
+          <a:bodyPr>
+            <a:noAutofit/>
+          </a:bodyPr>
+          <a:lstStyle/>
+          <a:p>
+            <a:pPr marL="0" indent="0" algn="ctr">
+              <a:buNone/>
+            </a:pPr>
+            <a:r>
+              <a:rPr lang="en-IN" sz="3600" b="1" dirty="0">
+                <a:solidFill>
+                  <a:schemeClr val="accent6">
+                    <a:lumMod val="50000"/>
+                  </a:schemeClr>
+                </a:solidFill>
+              </a:rPr>
+              <a:t>What is Programming?</a:t>
+            </a:r>
+          </a:p>
+          <a:p>
+            <a:pPr marL="0" indent="0" algn="ctr">
+              <a:buNone/>
+            </a:pPr>
+            <a:r>
+              <a:rPr lang="en-IN" sz="3600" b="1" dirty="0">
+                <a:solidFill>
+                  <a:schemeClr val="accent2">
+                    <a:lumMod val="50000"/>
+                  </a:schemeClr>
+                </a:solidFill>
+              </a:rPr>
+              <a:t>What is Programming Language?</a:t>
+            </a:r>
+          </a:p>
+        </p:txBody>
+      </p:sp>
+    </p:spTree>
+    <p:extLst>
+      <p:ext uri="{BB962C8B-B14F-4D97-AF65-F5344CB8AC3E}">
+        <p14:creationId xmlns:p14="http://schemas.microsoft.com/office/powerpoint/2010/main" val="2833866201"/>
+      </p:ext>
+    </p:extLst>
+  </p:cSld>
+  <p:clrMapOvr>
+    <a:masterClrMapping/>
+  </p:clrMapOvr>
+</p:sld>
+</file>
+
+<file path=ppt/slides/slide4.xml><?xml version="1.0" encoding="utf-8"?>
+<p:sld xmlns:a="http://schemas.openxmlformats.org/drawingml/2006/main" xmlns:r="http://schemas.openxmlformats.org/officeDocument/2006/relationships" xmlns:p="http://schemas.openxmlformats.org/presentationml/2006/main">
+  <p:cSld>
+    <p:spTree>
+      <p:nvGrpSpPr>
+        <p:cNvPr id="1" name=""/>
+        <p:cNvGrpSpPr/>
+        <p:nvPr/>
+      </p:nvGrpSpPr>
+      <p:grpSpPr>
+        <a:xfrm>
+          <a:off x="0" y="0"/>
+          <a:ext cx="0" cy="0"/>
+          <a:chOff x="0" y="0"/>
+          <a:chExt cx="0" cy="0"/>
+        </a:xfrm>
+      </p:grpSpPr>
+      <p:sp>
+        <p:nvSpPr>
+          <p:cNvPr id="3" name="Content Placeholder 2">
+            <a:extLst>
+              <a:ext uri="{FF2B5EF4-FFF2-40B4-BE49-F238E27FC236}">
+                <a16:creationId xmlns:a16="http://schemas.microsoft.com/office/drawing/2014/main" id="{B4FE8E85-8426-4AB7-AD5A-5C275C24FF8D}"/>
+              </a:ext>
+            </a:extLst>
+          </p:cNvPr>
+          <p:cNvSpPr>
+            <a:spLocks noGrp="1"/>
+          </p:cNvSpPr>
+          <p:nvPr>
+            <p:ph idx="1"/>
+          </p:nvPr>
+        </p:nvSpPr>
+        <p:spPr>
+          <a:xfrm>
+            <a:off x="710381" y="2247900"/>
+            <a:ext cx="10567219" cy="1181100"/>
+          </a:xfrm>
+        </p:spPr>
+        <p:txBody>
+          <a:bodyPr>
+            <a:noAutofit/>
+          </a:bodyPr>
+          <a:lstStyle/>
+          <a:p>
+            <a:pPr marL="0" indent="0" algn="ctr">
+              <a:buNone/>
+            </a:pPr>
+            <a:r>
+              <a:rPr lang="en-IN" sz="3200" b="1" dirty="0">
+                <a:solidFill>
+                  <a:schemeClr val="accent6">
+                    <a:lumMod val="50000"/>
+                  </a:schemeClr>
+                </a:solidFill>
+              </a:rPr>
+              <a:t>What is Programming? : </a:t>
+            </a:r>
+            <a:r>
+              <a:rPr lang="en-IN" sz="3200" dirty="0"/>
+              <a:t>Writing a Program</a:t>
+            </a:r>
+            <a:endParaRPr lang="en-IN" sz="3200" b="1" dirty="0">
+              <a:solidFill>
+                <a:schemeClr val="accent6">
+                  <a:lumMod val="50000"/>
+                </a:schemeClr>
+              </a:solidFill>
+            </a:endParaRPr>
+          </a:p>
+          <a:p>
+            <a:pPr marL="0" indent="0" algn="ctr">
+              <a:buNone/>
+            </a:pPr>
+            <a:r>
+              <a:rPr lang="en-IN" sz="3200" b="1" dirty="0">
+                <a:solidFill>
+                  <a:schemeClr val="accent2">
+                    <a:lumMod val="50000"/>
+                  </a:schemeClr>
+                </a:solidFill>
+              </a:rPr>
+              <a:t>What is Programming Language? : </a:t>
+            </a:r>
+            <a:r>
+              <a:rPr lang="en-IN" sz="3200" dirty="0"/>
+              <a:t>Is a Collection of </a:t>
+            </a:r>
+            <a:r>
+              <a:rPr lang="en-IN" sz="3200" b="1" dirty="0">
+                <a:solidFill>
+                  <a:srgbClr val="C00000"/>
+                </a:solidFill>
+              </a:rPr>
+              <a:t>Tokens</a:t>
+            </a:r>
+            <a:r>
+              <a:rPr lang="en-IN" sz="3200" dirty="0"/>
+              <a:t>.</a:t>
+            </a:r>
+            <a:endParaRPr lang="en-IN" sz="3200" b="1" dirty="0">
+              <a:solidFill>
+                <a:schemeClr val="accent2">
+                  <a:lumMod val="50000"/>
+                </a:schemeClr>
+              </a:solidFill>
+            </a:endParaRPr>
+          </a:p>
+        </p:txBody>
+      </p:sp>
+    </p:spTree>
+    <p:extLst>
+      <p:ext uri="{BB962C8B-B14F-4D97-AF65-F5344CB8AC3E}">
+        <p14:creationId xmlns:p14="http://schemas.microsoft.com/office/powerpoint/2010/main" val="1139735195"/>
+      </p:ext>
+    </p:extLst>
+  </p:cSld>
+  <p:clrMapOvr>
+    <a:masterClrMapping/>
+  </p:clrMapOvr>
+</p:sld>
+</file>
+
+<file path=ppt/slides/slide5.xml><?xml version="1.0" encoding="utf-8"?>
+<p:sld xmlns:a="http://schemas.openxmlformats.org/drawingml/2006/main" xmlns:r="http://schemas.openxmlformats.org/officeDocument/2006/relationships" xmlns:p="http://schemas.openxmlformats.org/presentationml/2006/main">
+  <p:cSld>
+    <p:spTree>
+      <p:nvGrpSpPr>
+        <p:cNvPr id="1" name=""/>
+        <p:cNvGrpSpPr/>
+        <p:nvPr/>
+      </p:nvGrpSpPr>
+      <p:grpSpPr>
+        <a:xfrm>
+          <a:off x="0" y="0"/>
+          <a:ext cx="0" cy="0"/>
+          <a:chOff x="0" y="0"/>
+          <a:chExt cx="0" cy="0"/>
+        </a:xfrm>
+      </p:grpSpPr>
+      <p:sp>
+        <p:nvSpPr>
+          <p:cNvPr id="3" name="Content Placeholder 2">
+            <a:extLst>
+              <a:ext uri="{FF2B5EF4-FFF2-40B4-BE49-F238E27FC236}">
+                <a16:creationId xmlns:a16="http://schemas.microsoft.com/office/drawing/2014/main" id="{B4FE8E85-8426-4AB7-AD5A-5C275C24FF8D}"/>
+              </a:ext>
+            </a:extLst>
+          </p:cNvPr>
+          <p:cNvSpPr>
+            <a:spLocks noGrp="1"/>
+          </p:cNvSpPr>
+          <p:nvPr>
+            <p:ph idx="1"/>
+          </p:nvPr>
+        </p:nvSpPr>
+        <p:spPr>
+          <a:xfrm>
+            <a:off x="702853" y="719137"/>
+            <a:ext cx="10900568" cy="5313801"/>
+          </a:xfrm>
+        </p:spPr>
+        <p:txBody>
+          <a:bodyPr>
+            <a:normAutofit/>
+          </a:bodyPr>
+          <a:lstStyle/>
+          <a:p>
+            <a:pPr marL="0" indent="0">
+              <a:buNone/>
+            </a:pPr>
+            <a:r>
+              <a:rPr lang="en-US" sz="3200" b="1" dirty="0">
+                <a:solidFill>
+                  <a:srgbClr val="C00000"/>
+                </a:solidFill>
+              </a:rPr>
+              <a:t>Module-1: BASICS OF C PROGRAMMING </a:t>
+            </a:r>
+            <a:r>
+              <a:rPr lang="en-IN" sz="3200" b="1" dirty="0">
+                <a:solidFill>
+                  <a:srgbClr val="C00000"/>
+                </a:solidFill>
+              </a:rPr>
+              <a:t>:</a:t>
+            </a:r>
+          </a:p>
+          <a:p>
+            <a:pPr marL="0" indent="0">
+              <a:buNone/>
+            </a:pPr>
+            <a:r>
+              <a:rPr lang="en-US" sz="3200" b="1" dirty="0"/>
+              <a:t>Introduction to programming paradigms:</a:t>
+            </a:r>
+            <a:r>
+              <a:rPr lang="en-US" sz="3200" dirty="0"/>
+              <a:t> Applications of C Language, Structure of C program</a:t>
+            </a:r>
+          </a:p>
+          <a:p>
+            <a:pPr marL="0" indent="0">
+              <a:buNone/>
+            </a:pPr>
+            <a:r>
+              <a:rPr lang="en-US" sz="3200" b="1" dirty="0"/>
+              <a:t>C programming: </a:t>
+            </a:r>
+            <a:r>
+              <a:rPr lang="en-US" sz="3200" dirty="0"/>
+              <a:t>Data Types, Constants,  Enumeration Constants,  Keywords.</a:t>
+            </a:r>
+          </a:p>
+          <a:p>
+            <a:pPr marL="0" indent="0">
+              <a:buNone/>
+            </a:pPr>
+            <a:r>
+              <a:rPr lang="en-US" sz="3200" b="1" dirty="0"/>
+              <a:t>Operators: </a:t>
+            </a:r>
+            <a:r>
+              <a:rPr lang="en-US" sz="3200" dirty="0"/>
+              <a:t>Precedence and Associativity, Expressions,  Input/Output statements, Assignment statements, Decision making statements, Switch statement, Looping statements Preprocessor directives, Compilation process.</a:t>
+            </a:r>
+            <a:endParaRPr lang="en-IN" sz="3200" dirty="0"/>
+          </a:p>
+        </p:txBody>
+      </p:sp>
+    </p:spTree>
+    <p:extLst>
+      <p:ext uri="{BB962C8B-B14F-4D97-AF65-F5344CB8AC3E}">
+        <p14:creationId xmlns:p14="http://schemas.microsoft.com/office/powerpoint/2010/main" val="707598842"/>
+      </p:ext>
+    </p:extLst>
+  </p:cSld>
+  <p:clrMapOvr>
+    <a:masterClrMapping/>
+  </p:clrMapOvr>
+</p:sld>
+</file>
+
+<file path=ppt/slides/slide6.xml><?xml version="1.0" encoding="utf-8"?>
+<p:sld xmlns:a="http://schemas.openxmlformats.org/drawingml/2006/main" xmlns:r="http://schemas.openxmlformats.org/officeDocument/2006/relationships" xmlns:p="http://schemas.openxmlformats.org/presentationml/2006/main">
+  <p:cSld>
+    <p:spTree>
+      <p:nvGrpSpPr>
+        <p:cNvPr id="1" name="">
+          <a:extLst>
+            <a:ext uri="{FF2B5EF4-FFF2-40B4-BE49-F238E27FC236}">
+              <a16:creationId xmlns:a16="http://schemas.microsoft.com/office/drawing/2014/main" id="{70EF4AB3-E7DC-A7CE-9D14-5BDEF3227342}"/>
+            </a:ext>
+          </a:extLst>
+        </p:cNvPr>
+        <p:cNvGrpSpPr/>
+        <p:nvPr/>
+      </p:nvGrpSpPr>
+      <p:grpSpPr>
+        <a:xfrm>
+          <a:off x="0" y="0"/>
+          <a:ext cx="0" cy="0"/>
+          <a:chOff x="0" y="0"/>
+          <a:chExt cx="0" cy="0"/>
+        </a:xfrm>
+      </p:grpSpPr>
+      <p:sp>
+        <p:nvSpPr>
+          <p:cNvPr id="3" name="Content Placeholder 2">
+            <a:extLst>
+              <a:ext uri="{FF2B5EF4-FFF2-40B4-BE49-F238E27FC236}">
+                <a16:creationId xmlns:a16="http://schemas.microsoft.com/office/drawing/2014/main" id="{892E5A9B-B287-0C94-62E0-A71FF1423639}"/>
+              </a:ext>
+            </a:extLst>
+          </p:cNvPr>
+          <p:cNvSpPr>
+            <a:spLocks noGrp="1"/>
+          </p:cNvSpPr>
+          <p:nvPr>
+            <p:ph idx="1"/>
+          </p:nvPr>
+        </p:nvSpPr>
+        <p:spPr>
+          <a:xfrm>
+            <a:off x="913059" y="1602006"/>
+            <a:ext cx="10732404" cy="3495511"/>
+          </a:xfrm>
+        </p:spPr>
+        <p:txBody>
+          <a:bodyPr>
+            <a:normAutofit/>
+          </a:bodyPr>
+          <a:lstStyle/>
+          <a:p>
+            <a:pPr marL="0" indent="0">
+              <a:buNone/>
+            </a:pPr>
+            <a:r>
+              <a:rPr lang="en-US" sz="3600" b="1" dirty="0">
+                <a:solidFill>
+                  <a:srgbClr val="C00000"/>
+                </a:solidFill>
+              </a:rPr>
+              <a:t>Module-2: ARRAYS AND STRINGS </a:t>
+            </a:r>
+            <a:r>
+              <a:rPr lang="en-IN" sz="3600" b="1" dirty="0">
+                <a:solidFill>
+                  <a:srgbClr val="C00000"/>
+                </a:solidFill>
+              </a:rPr>
+              <a:t>:</a:t>
+            </a:r>
+          </a:p>
+          <a:p>
+            <a:pPr marL="0" indent="0">
+              <a:buNone/>
+            </a:pPr>
+            <a:r>
+              <a:rPr lang="en-US" sz="3600" b="1" dirty="0"/>
+              <a:t>Introduction to Arrays: </a:t>
+            </a:r>
+            <a:r>
+              <a:rPr lang="en-US" sz="3600" dirty="0"/>
+              <a:t>Declaration, Initialization One dimensional array Two dimensional arrays.</a:t>
+            </a:r>
+          </a:p>
+          <a:p>
+            <a:pPr marL="0" indent="0">
+              <a:buNone/>
+            </a:pPr>
+            <a:r>
+              <a:rPr lang="en-US" sz="3600" b="1" dirty="0"/>
+              <a:t>String operations: </a:t>
+            </a:r>
+            <a:r>
+              <a:rPr lang="en-US" sz="3600" dirty="0"/>
+              <a:t>length, compare, concatenate, copy, Selection sort, linear and binary search.</a:t>
+            </a:r>
+            <a:endParaRPr lang="en-IN" sz="3600" dirty="0"/>
+          </a:p>
+        </p:txBody>
+      </p:sp>
+    </p:spTree>
+    <p:extLst>
+      <p:ext uri="{BB962C8B-B14F-4D97-AF65-F5344CB8AC3E}">
+        <p14:creationId xmlns:p14="http://schemas.microsoft.com/office/powerpoint/2010/main" val="3820529970"/>
+      </p:ext>
+    </p:extLst>
+  </p:cSld>
+  <p:clrMapOvr>
+    <a:masterClrMapping/>
+  </p:clrMapOvr>
+</p:sld>
+</file>
+
+<file path=ppt/slides/slide7.xml><?xml version="1.0" encoding="utf-8"?>
+<p:sld xmlns:a="http://schemas.openxmlformats.org/drawingml/2006/main" xmlns:r="http://schemas.openxmlformats.org/officeDocument/2006/relationships" xmlns:p="http://schemas.openxmlformats.org/presentationml/2006/main">
+  <p:cSld>
+    <p:spTree>
+      <p:nvGrpSpPr>
+        <p:cNvPr id="1" name="">
+          <a:extLst>
+            <a:ext uri="{FF2B5EF4-FFF2-40B4-BE49-F238E27FC236}">
+              <a16:creationId xmlns:a16="http://schemas.microsoft.com/office/drawing/2014/main" id="{D027FD6E-412A-B2F1-6441-073824C05963}"/>
+            </a:ext>
+          </a:extLst>
+        </p:cNvPr>
+        <p:cNvGrpSpPr/>
+        <p:nvPr/>
+      </p:nvGrpSpPr>
+      <p:grpSpPr>
+        <a:xfrm>
+          <a:off x="0" y="0"/>
+          <a:ext cx="0" cy="0"/>
+          <a:chOff x="0" y="0"/>
+          <a:chExt cx="0" cy="0"/>
+        </a:xfrm>
+      </p:grpSpPr>
+      <p:sp>
+        <p:nvSpPr>
+          <p:cNvPr id="3" name="Content Placeholder 2">
+            <a:extLst>
+              <a:ext uri="{FF2B5EF4-FFF2-40B4-BE49-F238E27FC236}">
+                <a16:creationId xmlns:a16="http://schemas.microsoft.com/office/drawing/2014/main" id="{086C5E49-D2B4-9EE3-D747-3EF6662842B5}"/>
+              </a:ext>
+            </a:extLst>
+          </p:cNvPr>
+          <p:cNvSpPr>
+            <a:spLocks noGrp="1"/>
+          </p:cNvSpPr>
+          <p:nvPr>
+            <p:ph idx="1"/>
+          </p:nvPr>
+        </p:nvSpPr>
+        <p:spPr>
+          <a:xfrm>
+            <a:off x="913058" y="1103586"/>
+            <a:ext cx="10795465" cy="4340773"/>
+          </a:xfrm>
+        </p:spPr>
+        <p:txBody>
+          <a:bodyPr>
+            <a:normAutofit/>
+          </a:bodyPr>
+          <a:lstStyle/>
+          <a:p>
+            <a:pPr marL="0" indent="0">
+              <a:buNone/>
+            </a:pPr>
+            <a:r>
+              <a:rPr lang="en-US" sz="3600" b="1" dirty="0">
+                <a:solidFill>
+                  <a:srgbClr val="C00000"/>
+                </a:solidFill>
+              </a:rPr>
+              <a:t>Module-3: FUNCTIONS AND POINTERS </a:t>
+            </a:r>
+            <a:r>
+              <a:rPr lang="en-IN" sz="3600" b="1" dirty="0">
+                <a:solidFill>
+                  <a:srgbClr val="C00000"/>
+                </a:solidFill>
+              </a:rPr>
+              <a:t>:</a:t>
+            </a:r>
+          </a:p>
+          <a:p>
+            <a:pPr marL="0" indent="0">
+              <a:buNone/>
+            </a:pPr>
+            <a:r>
+              <a:rPr lang="en-US" sz="3200" b="1" dirty="0"/>
+              <a:t>Modular programming :</a:t>
+            </a:r>
+            <a:r>
+              <a:rPr lang="en-US" sz="3200" dirty="0"/>
+              <a:t> Function prototype, function definition, function call, Built-in functions (string functions, math functions) Recursion, Binary Search using recursive functions.</a:t>
+            </a:r>
+          </a:p>
+          <a:p>
+            <a:pPr marL="0" indent="0">
+              <a:buNone/>
+            </a:pPr>
+            <a:r>
+              <a:rPr lang="en-US" sz="3200" b="1" dirty="0"/>
+              <a:t>Pointers:</a:t>
+            </a:r>
+            <a:r>
+              <a:rPr lang="en-US" sz="3200" dirty="0"/>
+              <a:t> Pointer operators, Pointer arithmetic, Arrays and pointers, Array of pointers.</a:t>
+            </a:r>
+          </a:p>
+          <a:p>
+            <a:pPr marL="0" indent="0">
+              <a:buNone/>
+            </a:pPr>
+            <a:r>
+              <a:rPr lang="en-US" sz="3200" b="1" dirty="0"/>
+              <a:t>Parameter passing: </a:t>
+            </a:r>
+            <a:r>
+              <a:rPr lang="en-US" sz="3200" dirty="0"/>
+              <a:t>Pass by value, Pass by reference. </a:t>
+            </a:r>
+            <a:endParaRPr lang="en-IN" sz="3600" dirty="0"/>
+          </a:p>
+        </p:txBody>
+      </p:sp>
+    </p:spTree>
+    <p:extLst>
+      <p:ext uri="{BB962C8B-B14F-4D97-AF65-F5344CB8AC3E}">
+        <p14:creationId xmlns:p14="http://schemas.microsoft.com/office/powerpoint/2010/main" val="1741904406"/>
+      </p:ext>
+    </p:extLst>
+  </p:cSld>
+  <p:clrMapOvr>
+    <a:masterClrMapping/>
+  </p:clrMapOvr>
+</p:sld>
+</file>
+
+<file path=ppt/slides/slide8.xml><?xml version="1.0" encoding="utf-8"?>
+<p:sld xmlns:a="http://schemas.openxmlformats.org/drawingml/2006/main" xmlns:r="http://schemas.openxmlformats.org/officeDocument/2006/relationships" xmlns:p="http://schemas.openxmlformats.org/presentationml/2006/main">
+  <p:cSld>
+    <p:spTree>
+      <p:nvGrpSpPr>
+        <p:cNvPr id="1" name="">
+          <a:extLst>
+            <a:ext uri="{FF2B5EF4-FFF2-40B4-BE49-F238E27FC236}">
+              <a16:creationId xmlns:a16="http://schemas.microsoft.com/office/drawing/2014/main" id="{5A586F5F-E3B6-C2E0-511F-712CC24C0971}"/>
+            </a:ext>
+          </a:extLst>
+        </p:cNvPr>
+        <p:cNvGrpSpPr/>
+        <p:nvPr/>
+      </p:nvGrpSpPr>
+      <p:grpSpPr>
+        <a:xfrm>
+          <a:off x="0" y="0"/>
+          <a:ext cx="0" cy="0"/>
+          <a:chOff x="0" y="0"/>
+          <a:chExt cx="0" cy="0"/>
+        </a:xfrm>
+      </p:grpSpPr>
+      <p:sp>
+        <p:nvSpPr>
+          <p:cNvPr id="3" name="Content Placeholder 2">
+            <a:extLst>
+              <a:ext uri="{FF2B5EF4-FFF2-40B4-BE49-F238E27FC236}">
+                <a16:creationId xmlns:a16="http://schemas.microsoft.com/office/drawing/2014/main" id="{86A8D5FB-2FB5-E6BC-C140-7910375D1950}"/>
+              </a:ext>
+            </a:extLst>
+          </p:cNvPr>
+          <p:cNvSpPr>
+            <a:spLocks noGrp="1"/>
+          </p:cNvSpPr>
+          <p:nvPr>
+            <p:ph idx="1"/>
+          </p:nvPr>
+        </p:nvSpPr>
+        <p:spPr>
+          <a:xfrm>
+            <a:off x="860506" y="746233"/>
+            <a:ext cx="10795465" cy="5433850"/>
+          </a:xfrm>
+        </p:spPr>
+        <p:txBody>
+          <a:bodyPr>
+            <a:normAutofit/>
+          </a:bodyPr>
+          <a:lstStyle/>
+          <a:p>
+            <a:pPr marL="0" indent="0">
+              <a:buNone/>
+            </a:pPr>
+            <a:r>
+              <a:rPr lang="en-US" sz="3200" b="1" dirty="0">
+                <a:solidFill>
+                  <a:srgbClr val="C00000"/>
+                </a:solidFill>
+              </a:rPr>
+              <a:t>Module-4: STRUCTURES AND UNION </a:t>
+            </a:r>
+            <a:r>
+              <a:rPr lang="en-IN" sz="3200" b="1" dirty="0">
+                <a:solidFill>
+                  <a:srgbClr val="C00000"/>
+                </a:solidFill>
+              </a:rPr>
+              <a:t>:</a:t>
+            </a:r>
+          </a:p>
+          <a:p>
+            <a:pPr marL="0" indent="0">
+              <a:buNone/>
+            </a:pPr>
+            <a:r>
+              <a:rPr lang="en-US" sz="3200" b="1" dirty="0"/>
+              <a:t>Structure: </a:t>
+            </a:r>
+            <a:r>
+              <a:rPr lang="en-US" sz="3200" dirty="0"/>
+              <a:t>Nested structures, Pointer and Structures, Array of structures, Self referential structures </a:t>
+            </a:r>
+          </a:p>
+          <a:p>
+            <a:pPr marL="0" indent="0">
+              <a:buNone/>
+            </a:pPr>
+            <a:r>
+              <a:rPr lang="en-US" sz="3200" b="1" dirty="0"/>
+              <a:t>Dynamic memory allocation:</a:t>
+            </a:r>
+            <a:r>
+              <a:rPr lang="en-US" sz="3200" dirty="0"/>
+              <a:t> Singly linked list, typedef </a:t>
+            </a:r>
+          </a:p>
+          <a:p>
+            <a:pPr marL="0" indent="0">
+              <a:buNone/>
+            </a:pPr>
+            <a:r>
+              <a:rPr lang="en-US" sz="3200" b="1" dirty="0"/>
+              <a:t>Union: </a:t>
+            </a:r>
+            <a:r>
+              <a:rPr lang="en-US" sz="3200" dirty="0"/>
+              <a:t>Storage classes and Visibility.</a:t>
+            </a:r>
+          </a:p>
+          <a:p>
+            <a:pPr marL="0" indent="0">
+              <a:buNone/>
+            </a:pPr>
+            <a:endParaRPr lang="en-US" sz="900" dirty="0"/>
+          </a:p>
+          <a:p>
+            <a:pPr marL="0" indent="0">
+              <a:buNone/>
+            </a:pPr>
+            <a:r>
+              <a:rPr lang="en-US" sz="3200" b="1" dirty="0">
+                <a:solidFill>
+                  <a:srgbClr val="C00000"/>
+                </a:solidFill>
+              </a:rPr>
+              <a:t>Module-5: FILE PROCESSING </a:t>
+            </a:r>
+            <a:r>
+              <a:rPr lang="en-IN" sz="3200" b="1" dirty="0">
+                <a:solidFill>
+                  <a:srgbClr val="C00000"/>
+                </a:solidFill>
+              </a:rPr>
+              <a:t>:</a:t>
+            </a:r>
+          </a:p>
+          <a:p>
+            <a:pPr marL="0" indent="0">
+              <a:buNone/>
+            </a:pPr>
+            <a:r>
+              <a:rPr lang="en-US" sz="3200" b="1" dirty="0"/>
+              <a:t>Files Types of file processing: </a:t>
+            </a:r>
+            <a:r>
+              <a:rPr lang="en-US" sz="3200" dirty="0"/>
+              <a:t>Sequential access, Random access Sequential access file - Random access file - Command line arguments.</a:t>
+            </a:r>
+            <a:endParaRPr lang="en-IN" sz="3600" dirty="0"/>
+          </a:p>
+          <a:p>
+            <a:pPr marL="0" indent="0">
+              <a:buNone/>
+            </a:pPr>
+            <a:endParaRPr lang="en-IN" sz="3200" dirty="0"/>
+          </a:p>
+        </p:txBody>
+      </p:sp>
+    </p:spTree>
+    <p:extLst>
+      <p:ext uri="{BB962C8B-B14F-4D97-AF65-F5344CB8AC3E}">
+        <p14:creationId xmlns:p14="http://schemas.microsoft.com/office/powerpoint/2010/main" val="911344345"/>
+      </p:ext>
+    </p:extLst>
+  </p:cSld>
+  <p:clrMapOvr>
+    <a:masterClrMapping/>
+  </p:clrMapOvr>
+</p:sld>
+</file>
+
+<file path=ppt/slides/slide9.xml><?xml version="1.0" encoding="utf-8"?>
+<p:sld xmlns:a="http://schemas.openxmlformats.org/drawingml/2006/main" xmlns:r="http://schemas.openxmlformats.org/officeDocument/2006/relationships" xmlns:p="http://schemas.openxmlformats.org/presentationml/2006/main">
+  <p:cSld>
+    <p:spTree>
+      <p:nvGrpSpPr>
+        <p:cNvPr id="1" name=""/>
+        <p:cNvGrpSpPr/>
+        <p:nvPr/>
+      </p:nvGrpSpPr>
+      <p:grpSpPr>
+        <a:xfrm>
+          <a:off x="0" y="0"/>
+          <a:ext cx="0" cy="0"/>
+          <a:chOff x="0" y="0"/>
+          <a:chExt cx="0" cy="0"/>
+        </a:xfrm>
+      </p:grpSpPr>
+      <p:sp>
+        <p:nvSpPr>
+          <p:cNvPr id="3" name="Content Placeholder 2">
+            <a:extLst>
+              <a:ext uri="{FF2B5EF4-FFF2-40B4-BE49-F238E27FC236}">
+                <a16:creationId xmlns:a16="http://schemas.microsoft.com/office/drawing/2014/main" id="{686DB707-FE8D-6C55-E955-6251D807F941}"/>
+              </a:ext>
+            </a:extLst>
+          </p:cNvPr>
+          <p:cNvSpPr>
+            <a:spLocks noGrp="1"/>
+          </p:cNvSpPr>
+          <p:nvPr>
+            <p:ph idx="1"/>
+          </p:nvPr>
+        </p:nvSpPr>
+        <p:spPr>
+          <a:xfrm>
+            <a:off x="777240" y="609600"/>
+            <a:ext cx="11057710" cy="5756366"/>
+          </a:xfrm>
+        </p:spPr>
+        <p:txBody>
+          <a:bodyPr>
+            <a:normAutofit lnSpcReduction="10000"/>
+          </a:bodyPr>
+          <a:lstStyle/>
+          <a:p>
+            <a:pPr marL="0" indent="0">
+              <a:buNone/>
+            </a:pPr>
+            <a:r>
+              <a:rPr lang="en-IN" sz="2800" b="1" dirty="0">
+                <a:solidFill>
+                  <a:srgbClr val="C00000"/>
+                </a:solidFill>
+              </a:rPr>
+              <a:t>Experiments or Lab Programs:</a:t>
+            </a:r>
+          </a:p>
+          <a:p>
+            <a:pPr marL="457200" indent="-457200">
+              <a:buFont typeface="+mj-lt"/>
+              <a:buAutoNum type="arabicPeriod"/>
+            </a:pPr>
+            <a:r>
+              <a:rPr lang="en-US" sz="2200" dirty="0"/>
+              <a:t>Simulation of a </a:t>
+            </a:r>
+            <a:r>
+              <a:rPr lang="en-US" sz="2200" b="1" dirty="0"/>
+              <a:t>Simple Calculator</a:t>
+            </a:r>
+            <a:r>
+              <a:rPr lang="en-US" sz="2200" dirty="0"/>
+              <a:t>. </a:t>
+            </a:r>
+          </a:p>
+          <a:p>
+            <a:pPr marL="457200" indent="-457200">
+              <a:buFont typeface="+mj-lt"/>
+              <a:buAutoNum type="arabicPeriod"/>
+            </a:pPr>
+            <a:r>
+              <a:rPr lang="en-US" sz="2200" dirty="0"/>
+              <a:t>Implement </a:t>
+            </a:r>
+            <a:r>
+              <a:rPr lang="en-US" sz="2200" b="1" dirty="0"/>
+              <a:t>Binary Search </a:t>
+            </a:r>
+            <a:r>
+              <a:rPr lang="en-US" sz="2200" dirty="0"/>
+              <a:t>on Integers </a:t>
+            </a:r>
+          </a:p>
+          <a:p>
+            <a:pPr marL="457200" indent="-457200">
+              <a:buFont typeface="+mj-lt"/>
+              <a:buAutoNum type="arabicPeriod"/>
+            </a:pPr>
+            <a:r>
+              <a:rPr lang="en-US" sz="2200" dirty="0"/>
+              <a:t>Sort the given set of N numbers using </a:t>
+            </a:r>
+            <a:r>
+              <a:rPr lang="en-US" sz="2200" b="1" dirty="0"/>
+              <a:t>Bubble sort</a:t>
+            </a:r>
+            <a:r>
+              <a:rPr lang="en-US" sz="2200" dirty="0"/>
+              <a:t>.</a:t>
+            </a:r>
+          </a:p>
+          <a:p>
+            <a:pPr marL="457200" indent="-457200">
+              <a:buFont typeface="+mj-lt"/>
+              <a:buAutoNum type="arabicPeriod"/>
+            </a:pPr>
+            <a:r>
+              <a:rPr lang="en-US" sz="2200" dirty="0"/>
+              <a:t>Implement </a:t>
+            </a:r>
+            <a:r>
+              <a:rPr lang="en-US" sz="2200" b="1" dirty="0"/>
+              <a:t>Matrix multiplication </a:t>
+            </a:r>
+            <a:r>
+              <a:rPr lang="en-US" sz="2200" dirty="0"/>
+              <a:t>and validate the rules of multiplication.</a:t>
+            </a:r>
+          </a:p>
+          <a:p>
+            <a:pPr marL="457200" indent="-457200">
+              <a:buFont typeface="+mj-lt"/>
+              <a:buAutoNum type="arabicPeriod"/>
+            </a:pPr>
+            <a:r>
+              <a:rPr lang="en-US" sz="2200" dirty="0"/>
+              <a:t>An electricity board charges the following rates for the use of electricity: for the first 200 units 80 paise per unit: for the next 100 units 90 paise per unit: beyond 300 units Rs 1 per unit. All users are charged a minimum of Rs. 100 as meter charge. If the total amount is more than Rs 400, then an additional charge of 15% of total amount is charged. Write a program to read the name of the user, number of units consumed and print out the charges.</a:t>
+            </a:r>
+          </a:p>
+          <a:p>
+            <a:pPr marL="457200" indent="-457200">
+              <a:buFont typeface="+mj-lt"/>
+              <a:buAutoNum type="arabicPeriod"/>
+            </a:pPr>
+            <a:r>
+              <a:rPr lang="en-US" sz="2200" dirty="0"/>
+              <a:t>Write functions to implement </a:t>
+            </a:r>
+            <a:r>
+              <a:rPr lang="en-US" sz="2200" b="1" dirty="0"/>
+              <a:t>string operations </a:t>
+            </a:r>
+            <a:r>
+              <a:rPr lang="en-US" sz="2200" dirty="0"/>
+              <a:t>such as compare, concatenate, and find string length. Use the parameter passing techniques.</a:t>
+            </a:r>
+          </a:p>
+          <a:p>
+            <a:pPr marL="457200" indent="-457200">
+              <a:buFont typeface="+mj-lt"/>
+              <a:buAutoNum type="arabicPeriod"/>
+            </a:pPr>
+            <a:r>
+              <a:rPr lang="en-US" sz="2200" dirty="0"/>
+              <a:t>Implement </a:t>
+            </a:r>
+            <a:r>
+              <a:rPr lang="en-US" sz="2200" b="1" dirty="0"/>
+              <a:t>structures</a:t>
+            </a:r>
+            <a:r>
+              <a:rPr lang="en-US" sz="2200" dirty="0"/>
+              <a:t> to read, write and compute average- marks of the students, list the students scoring above and below the average marks for a class of N students.</a:t>
+            </a:r>
+          </a:p>
+          <a:p>
+            <a:pPr marL="457200" indent="-457200">
+              <a:buFont typeface="+mj-lt"/>
+              <a:buAutoNum type="arabicPeriod"/>
+            </a:pPr>
+            <a:r>
+              <a:rPr lang="en-US" sz="2200" dirty="0"/>
+              <a:t>Write a C program to copy a text </a:t>
+            </a:r>
+            <a:r>
+              <a:rPr lang="en-US" sz="2200" b="1" dirty="0"/>
+              <a:t>file</a:t>
+            </a:r>
+            <a:r>
+              <a:rPr lang="en-US" sz="2200" dirty="0"/>
+              <a:t> to another, read both the input file name and target file name. </a:t>
+            </a:r>
+            <a:endParaRPr lang="en-IN" sz="2200" dirty="0"/>
+          </a:p>
+        </p:txBody>
+      </p:sp>
+    </p:spTree>
+    <p:extLst>
+      <p:ext uri="{BB962C8B-B14F-4D97-AF65-F5344CB8AC3E}">
+        <p14:creationId xmlns:p14="http://schemas.microsoft.com/office/powerpoint/2010/main" val="769431239"/>
       </p:ext>
     </p:extLst>
   </p:cSld>

--- a/Theory Class-Notes/C Programming Syllabus.pptx
+++ b/Theory Class-Notes/C Programming Syllabus.pptx
@@ -207,7 +207,7 @@
           <a:p>
             <a:fld id="{61532AF1-4615-4667-912A-829B12F8C4D2}" type="datetimeFigureOut">
               <a:rPr lang="en-IN" smtClean="0"/>
-              <a:t>04-12-2024</a:t>
+              <a:t>01-01-2025</a:t>
             </a:fld>
             <a:endParaRPr lang="en-IN"/>
           </a:p>
@@ -624,7 +624,7 @@
           <a:p>
             <a:fld id="{C43A76A3-ADC8-4477-8FC1-B9DD55D84908}" type="datetime1">
               <a:rPr lang="en-US" smtClean="0"/>
-              <a:t>12/4/2024</a:t>
+              <a:t>1/1/2025</a:t>
             </a:fld>
             <a:endParaRPr lang="en-US" dirty="0"/>
           </a:p>
@@ -822,7 +822,7 @@
           <a:p>
             <a:fld id="{D6762538-DC4D-4667-96E5-B3278DDF8B12}" type="datetime1">
               <a:rPr lang="en-US" smtClean="0"/>
-              <a:t>12/4/2024</a:t>
+              <a:t>1/1/2025</a:t>
             </a:fld>
             <a:endParaRPr lang="en-US"/>
           </a:p>
@@ -1030,7 +1030,7 @@
           <a:p>
             <a:fld id="{05880548-5C08-4BE3-B63E-F2BB63B0B00C}" type="datetime1">
               <a:rPr lang="en-US" smtClean="0"/>
-              <a:t>12/4/2024</a:t>
+              <a:t>1/1/2025</a:t>
             </a:fld>
             <a:endParaRPr lang="en-US"/>
           </a:p>
@@ -1228,7 +1228,7 @@
           <a:p>
             <a:fld id="{DE7F49BE-398D-479A-8A7E-5DDBCA61EDCB}" type="datetime1">
               <a:rPr lang="en-US" smtClean="0"/>
-              <a:t>12/4/2024</a:t>
+              <a:t>1/1/2025</a:t>
             </a:fld>
             <a:endParaRPr lang="en-US" dirty="0"/>
           </a:p>
@@ -1504,7 +1504,7 @@
           <a:p>
             <a:fld id="{CCD0C193-4974-4A1F-9C63-07D595E30D66}" type="datetime1">
               <a:rPr lang="en-US" smtClean="0"/>
-              <a:t>12/4/2024</a:t>
+              <a:t>1/1/2025</a:t>
             </a:fld>
             <a:endParaRPr lang="en-US"/>
           </a:p>
@@ -1771,7 +1771,7 @@
           <a:p>
             <a:fld id="{701AA87F-28D4-4BF0-B81F-877A89DFD5AC}" type="datetime1">
               <a:rPr lang="en-US" smtClean="0"/>
-              <a:t>12/4/2024</a:t>
+              <a:t>1/1/2025</a:t>
             </a:fld>
             <a:endParaRPr lang="en-US"/>
           </a:p>
@@ -2185,7 +2185,7 @@
           <a:p>
             <a:fld id="{A8A9F1F3-208B-49A3-B337-9C8ACEB3E0E1}" type="datetime1">
               <a:rPr lang="en-US" smtClean="0"/>
-              <a:t>12/4/2024</a:t>
+              <a:t>1/1/2025</a:t>
             </a:fld>
             <a:endParaRPr lang="en-US"/>
           </a:p>
@@ -2332,7 +2332,7 @@
           <a:p>
             <a:fld id="{27AF6CA6-7293-4AA2-A0E0-A3BF4416E786}" type="datetime1">
               <a:rPr lang="en-US" smtClean="0"/>
-              <a:t>12/4/2024</a:t>
+              <a:t>1/1/2025</a:t>
             </a:fld>
             <a:endParaRPr lang="en-US"/>
           </a:p>
@@ -2445,7 +2445,7 @@
           <a:p>
             <a:fld id="{98D87016-7BCD-46FB-8EE3-AB6C369108B4}" type="datetime1">
               <a:rPr lang="en-US" smtClean="0"/>
-              <a:t>12/4/2024</a:t>
+              <a:t>1/1/2025</a:t>
             </a:fld>
             <a:endParaRPr lang="en-US"/>
           </a:p>
@@ -2764,7 +2764,7 @@
           <a:p>
             <a:fld id="{A1547011-1FFC-4EF8-9A2E-53B4AD2ADBD4}" type="datetime1">
               <a:rPr lang="en-US" smtClean="0"/>
-              <a:t>12/4/2024</a:t>
+              <a:t>1/1/2025</a:t>
             </a:fld>
             <a:endParaRPr lang="en-US"/>
           </a:p>
@@ -3059,7 +3059,7 @@
           <a:p>
             <a:fld id="{9562EB47-45B4-4EF5-A743-B4885DD2F060}" type="datetime1">
               <a:rPr lang="en-US" smtClean="0"/>
-              <a:t>12/4/2024</a:t>
+              <a:t>1/1/2025</a:t>
             </a:fld>
             <a:endParaRPr lang="en-US"/>
           </a:p>
@@ -4444,7 +4444,7 @@
           <a:p>
             <a:fld id="{4A8D24A4-5FEC-4062-8995-EB21925B3B40}" type="datetime1">
               <a:rPr lang="en-US" smtClean="0"/>
-              <a:t>12/4/2024</a:t>
+              <a:t>1/1/2025</a:t>
             </a:fld>
             <a:endParaRPr lang="en-US" sz="1000" dirty="0"/>
           </a:p>
